--- a/TagHelpers.pptx
+++ b/TagHelpers.pptx
@@ -6,7 +6,7 @@
     <p:sldMasterId id="2147483661" r:id="rId2"/>
   </p:sldMasterIdLst>
   <p:notesMasterIdLst>
-    <p:notesMasterId r:id="rId12"/>
+    <p:notesMasterId r:id="rId13"/>
   </p:notesMasterIdLst>
   <p:sldIdLst>
     <p:sldId id="256" r:id="rId3"/>
@@ -16,8 +16,9 @@
     <p:sldId id="285" r:id="rId7"/>
     <p:sldId id="264" r:id="rId8"/>
     <p:sldId id="272" r:id="rId9"/>
-    <p:sldId id="284" r:id="rId10"/>
-    <p:sldId id="281" r:id="rId11"/>
+    <p:sldId id="287" r:id="rId10"/>
+    <p:sldId id="284" r:id="rId11"/>
+    <p:sldId id="281" r:id="rId12"/>
   </p:sldIdLst>
   <p:sldSz cx="12192000" cy="6858000"/>
   <p:notesSz cx="6858000" cy="9144000"/>
@@ -6983,6 +6984,79 @@
 </p:sld>
 </file>
 
+<file path=ppt/slides/slide10.xml><?xml version="1.0" encoding="utf-8"?>
+<p:sld xmlns:a="http://schemas.openxmlformats.org/drawingml/2006/main" xmlns:r="http://schemas.openxmlformats.org/officeDocument/2006/relationships" xmlns:p="http://schemas.openxmlformats.org/presentationml/2006/main">
+  <p:cSld>
+    <p:spTree>
+      <p:nvGrpSpPr>
+        <p:cNvPr id="1" name=""/>
+        <p:cNvGrpSpPr/>
+        <p:nvPr/>
+      </p:nvGrpSpPr>
+      <p:grpSpPr>
+        <a:xfrm>
+          <a:off x="0" y="0"/>
+          <a:ext cx="0" cy="0"/>
+          <a:chOff x="0" y="0"/>
+          <a:chExt cx="0" cy="0"/>
+        </a:xfrm>
+      </p:grpSpPr>
+      <p:sp>
+        <p:nvSpPr>
+          <p:cNvPr id="3" name="Title 2"/>
+          <p:cNvSpPr>
+            <a:spLocks noGrp="1"/>
+          </p:cNvSpPr>
+          <p:nvPr>
+            <p:ph type="ctrTitle"/>
+          </p:nvPr>
+        </p:nvSpPr>
+        <p:spPr/>
+        <p:txBody>
+          <a:bodyPr anchor="ctr"/>
+          <a:lstStyle/>
+          <a:p>
+            <a:pPr algn="ctr"/>
+            <a:r>
+              <a:rPr lang="en-US" dirty="0"/>
+              <a:t>FIN</a:t>
+            </a:r>
+          </a:p>
+        </p:txBody>
+      </p:sp>
+      <p:sp>
+        <p:nvSpPr>
+          <p:cNvPr id="4" name="Subtitle 3"/>
+          <p:cNvSpPr>
+            <a:spLocks noGrp="1"/>
+          </p:cNvSpPr>
+          <p:nvPr>
+            <p:ph type="subTitle" idx="1"/>
+          </p:nvPr>
+        </p:nvSpPr>
+        <p:spPr/>
+        <p:txBody>
+          <a:bodyPr/>
+          <a:lstStyle/>
+          <a:p>
+            <a:pPr algn="ctr"/>
+            <a:endParaRPr lang="en-US" dirty="0"/>
+          </a:p>
+        </p:txBody>
+      </p:sp>
+    </p:spTree>
+    <p:extLst>
+      <p:ext uri="{BB962C8B-B14F-4D97-AF65-F5344CB8AC3E}">
+        <p14:creationId xmlns:p14="http://schemas.microsoft.com/office/powerpoint/2010/main" val="927169579"/>
+      </p:ext>
+    </p:extLst>
+  </p:cSld>
+  <p:clrMapOvr>
+    <a:masterClrMapping/>
+  </p:clrMapOvr>
+</p:sld>
+</file>
+
 <file path=ppt/slides/slide2.xml><?xml version="1.0" encoding="utf-8"?>
 <p:sld xmlns:a="http://schemas.openxmlformats.org/drawingml/2006/main" xmlns:r="http://schemas.openxmlformats.org/officeDocument/2006/relationships" xmlns:p="http://schemas.openxmlformats.org/presentationml/2006/main">
   <p:cSld>
@@ -7822,7 +7896,7 @@
         <p:spPr>
           <a:xfrm>
             <a:off x="531493" y="3844471"/>
-            <a:ext cx="4699654" cy="1384995"/>
+            <a:ext cx="4699654" cy="1107996"/>
           </a:xfrm>
           <a:prstGeom prst="rect">
             <a:avLst/>
@@ -7844,18 +7918,16 @@
           </a:p>
           <a:p>
             <a:pPr algn="ctr"/>
+            <a:r>
+              <a:rPr lang="en-US" dirty="0">
+                <a:latin typeface="+mj-lt"/>
+                <a:hlinkClick r:id="rId7"/>
+              </a:rPr>
+              <a:t>Paul@DuffyASP.net</a:t>
+            </a:r>
             <a:endParaRPr lang="en-US" dirty="0">
               <a:latin typeface="+mj-lt"/>
             </a:endParaRPr>
-          </a:p>
-          <a:p>
-            <a:pPr algn="ctr"/>
-            <a:r>
-              <a:rPr lang="en-US" dirty="0">
-                <a:latin typeface="+mj-lt"/>
-              </a:rPr>
-              <a:t>Paul@DuffyASP.net</a:t>
-            </a:r>
           </a:p>
           <a:p>
             <a:pPr lvl="1"/>
@@ -7874,7 +7946,7 @@
           <p:nvPr/>
         </p:nvPicPr>
         <p:blipFill>
-          <a:blip r:embed="rId7" cstate="hqprint">
+          <a:blip r:embed="rId8" cstate="hqprint">
             <a:extLst>
               <a:ext uri="{28A0092B-C50C-407E-A947-70E740481C1C}">
                 <a14:useLocalDpi xmlns:a14="http://schemas.microsoft.com/office/drawing/2010/main" val="0"/>
@@ -7969,7 +8041,7 @@
         <p:spPr>
           <a:xfrm>
             <a:off x="6760227" y="3840906"/>
-            <a:ext cx="4779748" cy="923330"/>
+            <a:ext cx="4779748" cy="646331"/>
           </a:xfrm>
           <a:prstGeom prst="rect">
             <a:avLst/>
@@ -7991,18 +8063,16 @@
           </a:p>
           <a:p>
             <a:pPr algn="ctr"/>
+            <a:r>
+              <a:rPr lang="en-US" dirty="0">
+                <a:latin typeface="+mj-lt"/>
+                <a:hlinkClick r:id="rId9"/>
+              </a:rPr>
+              <a:t>me@therealgary.com</a:t>
+            </a:r>
             <a:endParaRPr lang="en-US" dirty="0">
               <a:latin typeface="+mj-lt"/>
             </a:endParaRPr>
-          </a:p>
-          <a:p>
-            <a:pPr algn="ctr"/>
-            <a:r>
-              <a:rPr lang="en-US" dirty="0">
-                <a:latin typeface="+mj-lt"/>
-              </a:rPr>
-              <a:t>me@therealgary.com</a:t>
-            </a:r>
           </a:p>
         </p:txBody>
       </p:sp>
@@ -8015,7 +8085,7 @@
           <p:nvPr/>
         </p:nvPicPr>
         <p:blipFill>
-          <a:blip r:embed="rId8"/>
+          <a:blip r:embed="rId10"/>
           <a:stretch>
             <a:fillRect/>
           </a:stretch>
@@ -8039,7 +8109,7 @@
           <p:nvPr/>
         </p:nvPicPr>
         <p:blipFill>
-          <a:blip r:embed="rId9"/>
+          <a:blip r:embed="rId11"/>
           <a:stretch>
             <a:fillRect/>
           </a:stretch>
@@ -8138,7 +8208,7 @@
             </a:pPr>
             <a:r>
               <a:rPr lang="en-US" dirty="0"/>
-              <a:t>First there were server controls and User Controls</a:t>
+              <a:t> Built on ASP.NET Core (MVC 6)</a:t>
             </a:r>
           </a:p>
           <a:p>
@@ -8154,7 +8224,7 @@
             </a:pPr>
             <a:r>
               <a:rPr lang="en-US" dirty="0"/>
-              <a:t>Then there were HTML Helpers</a:t>
+              <a:t> Similar idea as Server/User Controls &amp; HTML Helpers</a:t>
             </a:r>
           </a:p>
           <a:p>
@@ -8170,23 +8240,7 @@
             </a:pPr>
             <a:r>
               <a:rPr lang="en-US" dirty="0"/>
-              <a:t>Ideally, markup (HTML/CSS) and code (C#) would be strictly separated</a:t>
-            </a:r>
-          </a:p>
-          <a:p>
-            <a:pPr>
-              <a:lnSpc>
-                <a:spcPct val="150000"/>
-              </a:lnSpc>
-              <a:buClr>
-                <a:schemeClr val="accent2"/>
-              </a:buClr>
-              <a:buFont typeface="Wingdings" panose="05000000000000000000" pitchFamily="2" charset="2"/>
-              <a:buChar char="q"/>
-            </a:pPr>
-            <a:r>
-              <a:rPr lang="en-US" dirty="0"/>
-              <a:t>How to get simplicity of HTML tags with the extensibility of Server Controls?</a:t>
+              <a:t> Addressing the problem of Razor code muddying HTML markup</a:t>
             </a:r>
           </a:p>
         </p:txBody>
@@ -8356,55 +8410,6 @@
                       </p:childTnLst>
                     </p:cTn>
                   </p:par>
-                  <p:par>
-                    <p:cTn id="15" fill="hold">
-                      <p:stCondLst>
-                        <p:cond delay="indefinite"/>
-                      </p:stCondLst>
-                      <p:childTnLst>
-                        <p:par>
-                          <p:cTn id="16" fill="hold">
-                            <p:stCondLst>
-                              <p:cond delay="0"/>
-                            </p:stCondLst>
-                            <p:childTnLst>
-                              <p:par>
-                                <p:cTn id="17" presetID="1" presetClass="entr" presetSubtype="0" fill="hold" grpId="0" nodeType="clickEffect">
-                                  <p:stCondLst>
-                                    <p:cond delay="0"/>
-                                  </p:stCondLst>
-                                  <p:childTnLst>
-                                    <p:set>
-                                      <p:cBhvr>
-                                        <p:cTn id="18" dur="1" fill="hold">
-                                          <p:stCondLst>
-                                            <p:cond delay="0"/>
-                                          </p:stCondLst>
-                                        </p:cTn>
-                                        <p:tgtEl>
-                                          <p:spTgt spid="4">
-                                            <p:txEl>
-                                              <p:pRg st="3" end="3"/>
-                                            </p:txEl>
-                                          </p:spTgt>
-                                        </p:tgtEl>
-                                        <p:attrNameLst>
-                                          <p:attrName>style.visibility</p:attrName>
-                                        </p:attrNameLst>
-                                      </p:cBhvr>
-                                      <p:to>
-                                        <p:strVal val="visible"/>
-                                      </p:to>
-                                    </p:set>
-                                  </p:childTnLst>
-                                </p:cTn>
-                              </p:par>
-                            </p:childTnLst>
-                          </p:cTn>
-                        </p:par>
-                      </p:childTnLst>
-                    </p:cTn>
-                  </p:par>
                 </p:childTnLst>
               </p:cTn>
               <p:prevCondLst>
@@ -8720,7 +8725,7 @@
             </a:pPr>
             <a:r>
               <a:rPr lang="en-US" dirty="0"/>
-              <a:t>Better separation of HTML/JavaScript and C# code</a:t>
+              <a:t> Better separation of HTML/JavaScript and C# code</a:t>
             </a:r>
           </a:p>
           <a:p>
@@ -9065,13 +9070,54 @@
             <p:ph type="subTitle" idx="1"/>
           </p:nvPr>
         </p:nvSpPr>
-        <p:spPr/>
-        <p:txBody>
-          <a:bodyPr/>
+        <p:spPr>
+          <a:xfrm>
+            <a:off x="1100051" y="4455620"/>
+            <a:ext cx="10058400" cy="1335580"/>
+          </a:xfrm>
+        </p:spPr>
+        <p:txBody>
+          <a:bodyPr>
+            <a:normAutofit lnSpcReduction="10000"/>
+          </a:bodyPr>
           <a:lstStyle/>
           <a:p>
             <a:pPr algn="ctr"/>
-            <a:endParaRPr lang="en-US" dirty="0"/>
+            <a:r>
+              <a:rPr lang="en-US" dirty="0">
+                <a:latin typeface="HelveticaNeueLT Com 37 ThCn" panose="020B0406020202030204" pitchFamily="34" charset="0"/>
+              </a:rPr>
+              <a:t>Today’s sample code can be downloaded from our </a:t>
+            </a:r>
+            <a:r>
+              <a:rPr lang="en-US" dirty="0" err="1">
+                <a:latin typeface="HelveticaNeueLT Com 37 ThCn" panose="020B0406020202030204" pitchFamily="34" charset="0"/>
+              </a:rPr>
+              <a:t>Github</a:t>
+            </a:r>
+            <a:r>
+              <a:rPr lang="en-US" dirty="0">
+                <a:latin typeface="HelveticaNeueLT Com 37 ThCn" panose="020B0406020202030204" pitchFamily="34" charset="0"/>
+              </a:rPr>
+              <a:t> repository by using the following link:</a:t>
+            </a:r>
+            <a:br>
+              <a:rPr lang="en-US" dirty="0">
+                <a:latin typeface="HelveticaNeueLT Com 37 ThCn" panose="020B0406020202030204" pitchFamily="34" charset="0"/>
+              </a:rPr>
+            </a:br>
+            <a:br>
+              <a:rPr lang="en-US" cap="none" dirty="0">
+                <a:hlinkClick r:id="rId2"/>
+              </a:rPr>
+            </a:br>
+            <a:r>
+              <a:rPr lang="en-US" cap="none" dirty="0">
+                <a:hlinkClick r:id="rId2"/>
+              </a:rPr>
+              <a:t>http://bit.ly/taghelpersbcc26</a:t>
+            </a:r>
+            <a:endParaRPr lang="en-US" cap="none" dirty="0"/>
           </a:p>
         </p:txBody>
       </p:sp>
@@ -9122,173 +9168,335 @@
           <a:p>
             <a:r>
               <a:rPr lang="en-US" dirty="0"/>
-              <a:t>Questions?</a:t>
-            </a:r>
-          </a:p>
-        </p:txBody>
-      </p:sp>
-      <p:sp>
-        <p:nvSpPr>
-          <p:cNvPr id="6" name="Rectangle 5"/>
-          <p:cNvSpPr/>
-          <p:nvPr/>
-        </p:nvSpPr>
-        <p:spPr>
-          <a:xfrm>
-            <a:off x="531493" y="5015805"/>
-            <a:ext cx="4699654" cy="1384995"/>
-          </a:xfrm>
-          <a:prstGeom prst="rect">
-            <a:avLst/>
-          </a:prstGeom>
-        </p:spPr>
-        <p:txBody>
-          <a:bodyPr wrap="square">
-            <a:spAutoFit/>
-          </a:bodyPr>
-          <a:lstStyle/>
-          <a:p>
-            <a:pPr algn="ctr"/>
-            <a:r>
-              <a:rPr lang="en-US" dirty="0">
-                <a:latin typeface="+mj-lt"/>
-              </a:rPr>
-              <a:t>@ThePDuffy3</a:t>
-            </a:r>
-          </a:p>
-          <a:p>
-            <a:pPr algn="ctr"/>
-            <a:endParaRPr lang="en-US" dirty="0">
-              <a:latin typeface="+mj-lt"/>
-            </a:endParaRPr>
-          </a:p>
-          <a:p>
-            <a:pPr algn="ctr"/>
-            <a:r>
-              <a:rPr lang="en-US" dirty="0">
-                <a:latin typeface="+mj-lt"/>
-              </a:rPr>
-              <a:t>Paul@DuffyASP.net</a:t>
-            </a:r>
-          </a:p>
-          <a:p>
-            <a:pPr lvl="1"/>
-            <a:endParaRPr lang="en-US" sz="3000" dirty="0">
-              <a:latin typeface="+mj-lt"/>
-            </a:endParaRPr>
-          </a:p>
-        </p:txBody>
-      </p:sp>
-      <p:pic>
-        <p:nvPicPr>
-          <p:cNvPr id="7" name="Picture 6"/>
-          <p:cNvPicPr>
-            <a:picLocks noChangeAspect="1"/>
-          </p:cNvPicPr>
-          <p:nvPr/>
-        </p:nvPicPr>
-        <p:blipFill>
-          <a:blip r:embed="rId2" cstate="hqprint">
-            <a:extLst>
-              <a:ext uri="{28A0092B-C50C-407E-A947-70E740481C1C}">
-                <a14:useLocalDpi xmlns:a14="http://schemas.microsoft.com/office/drawing/2010/main" val="0"/>
-              </a:ext>
-            </a:extLst>
-          </a:blip>
-          <a:stretch>
-            <a:fillRect/>
-          </a:stretch>
-        </p:blipFill>
-        <p:spPr>
-          <a:xfrm>
-            <a:off x="1833820" y="2580037"/>
-            <a:ext cx="2095001" cy="2095001"/>
-          </a:xfrm>
-          <a:prstGeom prst="rect">
-            <a:avLst/>
-          </a:prstGeom>
-        </p:spPr>
-      </p:pic>
-      <p:sp>
-        <p:nvSpPr>
-          <p:cNvPr id="10" name="Rectangle 9"/>
-          <p:cNvSpPr/>
-          <p:nvPr/>
-        </p:nvSpPr>
-        <p:spPr>
-          <a:xfrm>
-            <a:off x="6760227" y="5012240"/>
-            <a:ext cx="4779748" cy="923330"/>
-          </a:xfrm>
-          <a:prstGeom prst="rect">
-            <a:avLst/>
-          </a:prstGeom>
-        </p:spPr>
-        <p:txBody>
-          <a:bodyPr wrap="square">
-            <a:spAutoFit/>
-          </a:bodyPr>
-          <a:lstStyle/>
-          <a:p>
-            <a:pPr algn="ctr"/>
-            <a:r>
-              <a:rPr lang="en-US" dirty="0">
-                <a:latin typeface="+mj-lt"/>
-              </a:rPr>
-              <a:t>@gws2</a:t>
-            </a:r>
-          </a:p>
-          <a:p>
-            <a:pPr algn="ctr"/>
-            <a:endParaRPr lang="en-US" dirty="0">
-              <a:latin typeface="+mj-lt"/>
-            </a:endParaRPr>
-          </a:p>
-          <a:p>
-            <a:pPr algn="ctr"/>
-            <a:r>
-              <a:rPr lang="en-US" dirty="0">
-                <a:latin typeface="+mj-lt"/>
-              </a:rPr>
-              <a:t>me@therealgary.com</a:t>
-            </a:r>
-          </a:p>
-        </p:txBody>
-      </p:sp>
-      <p:pic>
-        <p:nvPicPr>
-          <p:cNvPr id="11" name="Picture 10"/>
-          <p:cNvPicPr>
-            <a:picLocks noChangeAspect="1"/>
-          </p:cNvPicPr>
-          <p:nvPr/>
-        </p:nvPicPr>
-        <p:blipFill>
-          <a:blip r:embed="rId3"/>
-          <a:stretch>
-            <a:fillRect/>
-          </a:stretch>
-        </p:blipFill>
-        <p:spPr>
-          <a:xfrm>
-            <a:off x="8292851" y="2765107"/>
-            <a:ext cx="1714500" cy="1714500"/>
-          </a:xfrm>
-          <a:prstGeom prst="rect">
-            <a:avLst/>
-          </a:prstGeom>
-        </p:spPr>
-      </p:pic>
+              <a:t>Tag Helpers – A Review</a:t>
+            </a:r>
+          </a:p>
+        </p:txBody>
+      </p:sp>
+      <p:sp>
+        <p:nvSpPr>
+          <p:cNvPr id="4" name="Content Placeholder 2"/>
+          <p:cNvSpPr>
+            <a:spLocks noGrp="1"/>
+          </p:cNvSpPr>
+          <p:nvPr>
+            <p:ph idx="1"/>
+          </p:nvPr>
+        </p:nvSpPr>
+        <p:spPr>
+          <a:xfrm>
+            <a:off x="2057400" y="2590800"/>
+            <a:ext cx="10058400" cy="4023360"/>
+          </a:xfrm>
+        </p:spPr>
+        <p:txBody>
+          <a:bodyPr/>
+          <a:lstStyle/>
+          <a:p>
+            <a:pPr>
+              <a:lnSpc>
+                <a:spcPct val="150000"/>
+              </a:lnSpc>
+              <a:buClr>
+                <a:schemeClr val="accent2"/>
+              </a:buClr>
+              <a:buFont typeface="Wingdings" panose="05000000000000000000" pitchFamily="2" charset="2"/>
+              <a:buChar char="q"/>
+            </a:pPr>
+            <a:r>
+              <a:rPr lang="en-US" dirty="0"/>
+              <a:t> User Controls  -&gt;  HTML Helpers  -&gt;  Tag Helpers</a:t>
+            </a:r>
+          </a:p>
+          <a:p>
+            <a:pPr>
+              <a:lnSpc>
+                <a:spcPct val="150000"/>
+              </a:lnSpc>
+              <a:buClr>
+                <a:schemeClr val="accent2"/>
+              </a:buClr>
+              <a:buFont typeface="Wingdings" panose="05000000000000000000" pitchFamily="2" charset="2"/>
+              <a:buChar char="q"/>
+            </a:pPr>
+            <a:r>
+              <a:rPr lang="en-US" dirty="0"/>
+              <a:t> Closer to pure HTML/CSS and code separation (i.e. designers vs programmers)</a:t>
+            </a:r>
+          </a:p>
+          <a:p>
+            <a:pPr>
+              <a:lnSpc>
+                <a:spcPct val="150000"/>
+              </a:lnSpc>
+              <a:buClr>
+                <a:schemeClr val="accent2"/>
+              </a:buClr>
+              <a:buFont typeface="Wingdings" panose="05000000000000000000" pitchFamily="2" charset="2"/>
+              <a:buChar char="q"/>
+            </a:pPr>
+            <a:r>
+              <a:rPr lang="en-US" dirty="0"/>
+              <a:t> Reusable, extensible, and time-saving</a:t>
+            </a:r>
+          </a:p>
+          <a:p>
+            <a:pPr>
+              <a:lnSpc>
+                <a:spcPct val="150000"/>
+              </a:lnSpc>
+              <a:buClr>
+                <a:schemeClr val="accent2"/>
+              </a:buClr>
+              <a:buFont typeface="Wingdings" panose="05000000000000000000" pitchFamily="2" charset="2"/>
+              <a:buChar char="q"/>
+            </a:pPr>
+            <a:r>
+              <a:rPr lang="en-US" dirty="0"/>
+              <a:t> Library of existing Tag Helpers to assist in app creation</a:t>
+            </a:r>
+          </a:p>
+        </p:txBody>
+      </p:sp>
     </p:spTree>
     <p:extLst>
       <p:ext uri="{BB962C8B-B14F-4D97-AF65-F5344CB8AC3E}">
-        <p14:creationId xmlns:p14="http://schemas.microsoft.com/office/powerpoint/2010/main" val="4140032240"/>
+        <p14:creationId xmlns:p14="http://schemas.microsoft.com/office/powerpoint/2010/main" val="2312504312"/>
       </p:ext>
     </p:extLst>
   </p:cSld>
   <p:clrMapOvr>
     <a:masterClrMapping/>
   </p:clrMapOvr>
+  <p:timing>
+    <p:tnLst>
+      <p:par>
+        <p:cTn id="1" dur="indefinite" restart="never" nodeType="tmRoot">
+          <p:childTnLst>
+            <p:seq concurrent="1" nextAc="seek">
+              <p:cTn id="2" dur="indefinite" nodeType="mainSeq">
+                <p:childTnLst>
+                  <p:par>
+                    <p:cTn id="3" fill="hold">
+                      <p:stCondLst>
+                        <p:cond delay="indefinite"/>
+                      </p:stCondLst>
+                      <p:childTnLst>
+                        <p:par>
+                          <p:cTn id="4" fill="hold">
+                            <p:stCondLst>
+                              <p:cond delay="0"/>
+                            </p:stCondLst>
+                            <p:childTnLst>
+                              <p:par>
+                                <p:cTn id="5" presetID="1" presetClass="entr" presetSubtype="0" fill="hold" grpId="0" nodeType="clickEffect">
+                                  <p:stCondLst>
+                                    <p:cond delay="0"/>
+                                  </p:stCondLst>
+                                  <p:childTnLst>
+                                    <p:set>
+                                      <p:cBhvr>
+                                        <p:cTn id="6" dur="1" fill="hold">
+                                          <p:stCondLst>
+                                            <p:cond delay="0"/>
+                                          </p:stCondLst>
+                                        </p:cTn>
+                                        <p:tgtEl>
+                                          <p:spTgt spid="4">
+                                            <p:txEl>
+                                              <p:pRg st="0" end="0"/>
+                                            </p:txEl>
+                                          </p:spTgt>
+                                        </p:tgtEl>
+                                        <p:attrNameLst>
+                                          <p:attrName>style.visibility</p:attrName>
+                                        </p:attrNameLst>
+                                      </p:cBhvr>
+                                      <p:to>
+                                        <p:strVal val="visible"/>
+                                      </p:to>
+                                    </p:set>
+                                  </p:childTnLst>
+                                </p:cTn>
+                              </p:par>
+                            </p:childTnLst>
+                          </p:cTn>
+                        </p:par>
+                      </p:childTnLst>
+                    </p:cTn>
+                  </p:par>
+                  <p:par>
+                    <p:cTn id="7" fill="hold">
+                      <p:stCondLst>
+                        <p:cond delay="indefinite"/>
+                      </p:stCondLst>
+                      <p:childTnLst>
+                        <p:par>
+                          <p:cTn id="8" fill="hold">
+                            <p:stCondLst>
+                              <p:cond delay="0"/>
+                            </p:stCondLst>
+                            <p:childTnLst>
+                              <p:par>
+                                <p:cTn id="9" presetID="1" presetClass="entr" presetSubtype="0" fill="hold" grpId="0" nodeType="clickEffect">
+                                  <p:stCondLst>
+                                    <p:cond delay="0"/>
+                                  </p:stCondLst>
+                                  <p:childTnLst>
+                                    <p:set>
+                                      <p:cBhvr>
+                                        <p:cTn id="10" dur="1" fill="hold">
+                                          <p:stCondLst>
+                                            <p:cond delay="0"/>
+                                          </p:stCondLst>
+                                        </p:cTn>
+                                        <p:tgtEl>
+                                          <p:spTgt spid="4">
+                                            <p:txEl>
+                                              <p:pRg st="1" end="1"/>
+                                            </p:txEl>
+                                          </p:spTgt>
+                                        </p:tgtEl>
+                                        <p:attrNameLst>
+                                          <p:attrName>style.visibility</p:attrName>
+                                        </p:attrNameLst>
+                                      </p:cBhvr>
+                                      <p:to>
+                                        <p:strVal val="visible"/>
+                                      </p:to>
+                                    </p:set>
+                                  </p:childTnLst>
+                                </p:cTn>
+                              </p:par>
+                            </p:childTnLst>
+                          </p:cTn>
+                        </p:par>
+                      </p:childTnLst>
+                    </p:cTn>
+                  </p:par>
+                  <p:par>
+                    <p:cTn id="11" fill="hold">
+                      <p:stCondLst>
+                        <p:cond delay="indefinite"/>
+                      </p:stCondLst>
+                      <p:childTnLst>
+                        <p:par>
+                          <p:cTn id="12" fill="hold">
+                            <p:stCondLst>
+                              <p:cond delay="0"/>
+                            </p:stCondLst>
+                            <p:childTnLst>
+                              <p:par>
+                                <p:cTn id="13" presetID="1" presetClass="entr" presetSubtype="0" fill="hold" grpId="0" nodeType="clickEffect">
+                                  <p:stCondLst>
+                                    <p:cond delay="0"/>
+                                  </p:stCondLst>
+                                  <p:childTnLst>
+                                    <p:set>
+                                      <p:cBhvr>
+                                        <p:cTn id="14" dur="1" fill="hold">
+                                          <p:stCondLst>
+                                            <p:cond delay="0"/>
+                                          </p:stCondLst>
+                                        </p:cTn>
+                                        <p:tgtEl>
+                                          <p:spTgt spid="4">
+                                            <p:txEl>
+                                              <p:pRg st="2" end="2"/>
+                                            </p:txEl>
+                                          </p:spTgt>
+                                        </p:tgtEl>
+                                        <p:attrNameLst>
+                                          <p:attrName>style.visibility</p:attrName>
+                                        </p:attrNameLst>
+                                      </p:cBhvr>
+                                      <p:to>
+                                        <p:strVal val="visible"/>
+                                      </p:to>
+                                    </p:set>
+                                  </p:childTnLst>
+                                </p:cTn>
+                              </p:par>
+                            </p:childTnLst>
+                          </p:cTn>
+                        </p:par>
+                      </p:childTnLst>
+                    </p:cTn>
+                  </p:par>
+                  <p:par>
+                    <p:cTn id="15" fill="hold">
+                      <p:stCondLst>
+                        <p:cond delay="indefinite"/>
+                      </p:stCondLst>
+                      <p:childTnLst>
+                        <p:par>
+                          <p:cTn id="16" fill="hold">
+                            <p:stCondLst>
+                              <p:cond delay="0"/>
+                            </p:stCondLst>
+                            <p:childTnLst>
+                              <p:par>
+                                <p:cTn id="17" presetID="1" presetClass="entr" presetSubtype="0" fill="hold" grpId="0" nodeType="clickEffect">
+                                  <p:stCondLst>
+                                    <p:cond delay="0"/>
+                                  </p:stCondLst>
+                                  <p:childTnLst>
+                                    <p:set>
+                                      <p:cBhvr>
+                                        <p:cTn id="18" dur="1" fill="hold">
+                                          <p:stCondLst>
+                                            <p:cond delay="0"/>
+                                          </p:stCondLst>
+                                        </p:cTn>
+                                        <p:tgtEl>
+                                          <p:spTgt spid="4">
+                                            <p:txEl>
+                                              <p:pRg st="3" end="3"/>
+                                            </p:txEl>
+                                          </p:spTgt>
+                                        </p:tgtEl>
+                                        <p:attrNameLst>
+                                          <p:attrName>style.visibility</p:attrName>
+                                        </p:attrNameLst>
+                                      </p:cBhvr>
+                                      <p:to>
+                                        <p:strVal val="visible"/>
+                                      </p:to>
+                                    </p:set>
+                                  </p:childTnLst>
+                                </p:cTn>
+                              </p:par>
+                            </p:childTnLst>
+                          </p:cTn>
+                        </p:par>
+                      </p:childTnLst>
+                    </p:cTn>
+                  </p:par>
+                </p:childTnLst>
+              </p:cTn>
+              <p:prevCondLst>
+                <p:cond evt="onPrev" delay="0">
+                  <p:tgtEl>
+                    <p:sldTgt/>
+                  </p:tgtEl>
+                </p:cond>
+              </p:prevCondLst>
+              <p:nextCondLst>
+                <p:cond evt="onNext" delay="0">
+                  <p:tgtEl>
+                    <p:sldTgt/>
+                  </p:tgtEl>
+                </p:cond>
+              </p:nextCondLst>
+            </p:seq>
+          </p:childTnLst>
+        </p:cTn>
+      </p:par>
+    </p:tnLst>
+    <p:bldLst>
+      <p:bldP spid="4" grpId="0" build="p"/>
+    </p:bldLst>
+  </p:timing>
 </p:sld>
 </file>
 
@@ -9311,51 +9519,178 @@
       </p:grpSpPr>
       <p:sp>
         <p:nvSpPr>
-          <p:cNvPr id="3" name="Title 2"/>
-          <p:cNvSpPr>
-            <a:spLocks noGrp="1"/>
-          </p:cNvSpPr>
-          <p:nvPr>
-            <p:ph type="ctrTitle"/>
+          <p:cNvPr id="2" name="Title 1"/>
+          <p:cNvSpPr>
+            <a:spLocks noGrp="1"/>
+          </p:cNvSpPr>
+          <p:nvPr>
+            <p:ph type="title"/>
           </p:nvPr>
         </p:nvSpPr>
         <p:spPr/>
         <p:txBody>
-          <a:bodyPr anchor="ctr"/>
+          <a:bodyPr/>
+          <a:lstStyle/>
+          <a:p>
+            <a:r>
+              <a:rPr lang="en-US" dirty="0"/>
+              <a:t>Questions?</a:t>
+            </a:r>
+          </a:p>
+        </p:txBody>
+      </p:sp>
+      <p:sp>
+        <p:nvSpPr>
+          <p:cNvPr id="6" name="Rectangle 5"/>
+          <p:cNvSpPr/>
+          <p:nvPr/>
+        </p:nvSpPr>
+        <p:spPr>
+          <a:xfrm>
+            <a:off x="531493" y="5015805"/>
+            <a:ext cx="4699654" cy="1107996"/>
+          </a:xfrm>
+          <a:prstGeom prst="rect">
+            <a:avLst/>
+          </a:prstGeom>
+        </p:spPr>
+        <p:txBody>
+          <a:bodyPr wrap="square">
+            <a:spAutoFit/>
+          </a:bodyPr>
           <a:lstStyle/>
           <a:p>
             <a:pPr algn="ctr"/>
             <a:r>
-              <a:rPr lang="en-US" dirty="0"/>
-              <a:t>FIN</a:t>
-            </a:r>
-          </a:p>
-        </p:txBody>
-      </p:sp>
-      <p:sp>
-        <p:nvSpPr>
-          <p:cNvPr id="4" name="Subtitle 3"/>
-          <p:cNvSpPr>
-            <a:spLocks noGrp="1"/>
-          </p:cNvSpPr>
-          <p:nvPr>
-            <p:ph type="subTitle" idx="1"/>
-          </p:nvPr>
-        </p:nvSpPr>
-        <p:spPr/>
-        <p:txBody>
-          <a:bodyPr/>
-          <a:lstStyle/>
+              <a:rPr lang="en-US" dirty="0">
+                <a:latin typeface="+mj-lt"/>
+              </a:rPr>
+              <a:t>@ThePDuffy3</a:t>
+            </a:r>
+          </a:p>
           <a:p>
             <a:pPr algn="ctr"/>
-            <a:endParaRPr lang="en-US" dirty="0"/>
-          </a:p>
-        </p:txBody>
-      </p:sp>
+            <a:r>
+              <a:rPr lang="en-US" dirty="0">
+                <a:latin typeface="+mj-lt"/>
+                <a:hlinkClick r:id="rId2"/>
+              </a:rPr>
+              <a:t>Paul@DuffyASP.net</a:t>
+            </a:r>
+            <a:endParaRPr lang="en-US" dirty="0">
+              <a:latin typeface="+mj-lt"/>
+            </a:endParaRPr>
+          </a:p>
+          <a:p>
+            <a:pPr lvl="1"/>
+            <a:endParaRPr lang="en-US" sz="3000" dirty="0">
+              <a:latin typeface="+mj-lt"/>
+            </a:endParaRPr>
+          </a:p>
+        </p:txBody>
+      </p:sp>
+      <p:pic>
+        <p:nvPicPr>
+          <p:cNvPr id="7" name="Picture 6"/>
+          <p:cNvPicPr>
+            <a:picLocks noChangeAspect="1"/>
+          </p:cNvPicPr>
+          <p:nvPr/>
+        </p:nvPicPr>
+        <p:blipFill>
+          <a:blip r:embed="rId3" cstate="hqprint">
+            <a:extLst>
+              <a:ext uri="{28A0092B-C50C-407E-A947-70E740481C1C}">
+                <a14:useLocalDpi xmlns:a14="http://schemas.microsoft.com/office/drawing/2010/main" val="0"/>
+              </a:ext>
+            </a:extLst>
+          </a:blip>
+          <a:stretch>
+            <a:fillRect/>
+          </a:stretch>
+        </p:blipFill>
+        <p:spPr>
+          <a:xfrm>
+            <a:off x="1833820" y="2580037"/>
+            <a:ext cx="2095001" cy="2095001"/>
+          </a:xfrm>
+          <a:prstGeom prst="rect">
+            <a:avLst/>
+          </a:prstGeom>
+        </p:spPr>
+      </p:pic>
+      <p:sp>
+        <p:nvSpPr>
+          <p:cNvPr id="10" name="Rectangle 9"/>
+          <p:cNvSpPr/>
+          <p:nvPr/>
+        </p:nvSpPr>
+        <p:spPr>
+          <a:xfrm>
+            <a:off x="6760227" y="5012240"/>
+            <a:ext cx="4779748" cy="646331"/>
+          </a:xfrm>
+          <a:prstGeom prst="rect">
+            <a:avLst/>
+          </a:prstGeom>
+        </p:spPr>
+        <p:txBody>
+          <a:bodyPr wrap="square">
+            <a:spAutoFit/>
+          </a:bodyPr>
+          <a:lstStyle/>
+          <a:p>
+            <a:pPr algn="ctr"/>
+            <a:r>
+              <a:rPr lang="en-US" dirty="0">
+                <a:latin typeface="+mj-lt"/>
+              </a:rPr>
+              <a:t>@gws2</a:t>
+            </a:r>
+          </a:p>
+          <a:p>
+            <a:pPr algn="ctr"/>
+            <a:r>
+              <a:rPr lang="en-US" dirty="0">
+                <a:latin typeface="+mj-lt"/>
+                <a:hlinkClick r:id="rId4"/>
+              </a:rPr>
+              <a:t>me@therealgary.com</a:t>
+            </a:r>
+            <a:endParaRPr lang="en-US" dirty="0">
+              <a:latin typeface="+mj-lt"/>
+            </a:endParaRPr>
+          </a:p>
+        </p:txBody>
+      </p:sp>
+      <p:pic>
+        <p:nvPicPr>
+          <p:cNvPr id="11" name="Picture 10"/>
+          <p:cNvPicPr>
+            <a:picLocks noChangeAspect="1"/>
+          </p:cNvPicPr>
+          <p:nvPr/>
+        </p:nvPicPr>
+        <p:blipFill>
+          <a:blip r:embed="rId5"/>
+          <a:stretch>
+            <a:fillRect/>
+          </a:stretch>
+        </p:blipFill>
+        <p:spPr>
+          <a:xfrm>
+            <a:off x="8292851" y="2765107"/>
+            <a:ext cx="1714500" cy="1714500"/>
+          </a:xfrm>
+          <a:prstGeom prst="rect">
+            <a:avLst/>
+          </a:prstGeom>
+        </p:spPr>
+      </p:pic>
     </p:spTree>
     <p:extLst>
       <p:ext uri="{BB962C8B-B14F-4D97-AF65-F5344CB8AC3E}">
-        <p14:creationId xmlns:p14="http://schemas.microsoft.com/office/powerpoint/2010/main" val="927169579"/>
+        <p14:creationId xmlns:p14="http://schemas.microsoft.com/office/powerpoint/2010/main" val="4140032240"/>
       </p:ext>
     </p:extLst>
   </p:cSld>
